--- a/Логика и методология науки(Григорьев)/Презентация компьютеры.pptx
+++ b/Логика и методология науки(Григорьев)/Презентация компьютеры.pptx
@@ -114,6 +114,11 @@
       </a:defRPr>
     </a:lvl9pPr>
   </p:defaultTextStyle>
+  <p:extLst>
+    <p:ext uri="{EFAFB233-063F-42B5-8137-9DF3F51BA10A}">
+      <p15:sldGuideLst xmlns:p15="http://schemas.microsoft.com/office/powerpoint/2012/main"/>
+    </p:ext>
+  </p:extLst>
 </p:presentation>
 </file>
 
@@ -303,7 +308,7 @@
           <a:p>
             <a:fld id="{5B2CE40B-B7EC-4116-8730-6F8258625510}" type="datetimeFigureOut">
               <a:rPr lang="ru-RU" smtClean="0"/>
-              <a:t>18.09.2025</a:t>
+              <a:t>02.10.2025</a:t>
             </a:fld>
             <a:endParaRPr lang="ru-RU"/>
           </a:p>
@@ -578,7 +583,7 @@
           <a:p>
             <a:fld id="{5B2CE40B-B7EC-4116-8730-6F8258625510}" type="datetimeFigureOut">
               <a:rPr lang="ru-RU" smtClean="0"/>
-              <a:t>18.09.2025</a:t>
+              <a:t>02.10.2025</a:t>
             </a:fld>
             <a:endParaRPr lang="ru-RU"/>
           </a:p>
@@ -772,7 +777,7 @@
           <a:p>
             <a:fld id="{5B2CE40B-B7EC-4116-8730-6F8258625510}" type="datetimeFigureOut">
               <a:rPr lang="ru-RU" smtClean="0"/>
-              <a:t>18.09.2025</a:t>
+              <a:t>02.10.2025</a:t>
             </a:fld>
             <a:endParaRPr lang="ru-RU"/>
           </a:p>
@@ -1045,7 +1050,7 @@
           <a:p>
             <a:fld id="{5B2CE40B-B7EC-4116-8730-6F8258625510}" type="datetimeFigureOut">
               <a:rPr lang="ru-RU" smtClean="0"/>
-              <a:t>18.09.2025</a:t>
+              <a:t>02.10.2025</a:t>
             </a:fld>
             <a:endParaRPr lang="ru-RU"/>
           </a:p>
@@ -1386,7 +1391,7 @@
           <a:p>
             <a:fld id="{5B2CE40B-B7EC-4116-8730-6F8258625510}" type="datetimeFigureOut">
               <a:rPr lang="ru-RU" smtClean="0"/>
-              <a:t>18.09.2025</a:t>
+              <a:t>02.10.2025</a:t>
             </a:fld>
             <a:endParaRPr lang="ru-RU"/>
           </a:p>
@@ -2009,7 +2014,7 @@
           <a:p>
             <a:fld id="{5B2CE40B-B7EC-4116-8730-6F8258625510}" type="datetimeFigureOut">
               <a:rPr lang="ru-RU" smtClean="0"/>
-              <a:t>18.09.2025</a:t>
+              <a:t>02.10.2025</a:t>
             </a:fld>
             <a:endParaRPr lang="ru-RU"/>
           </a:p>
@@ -2869,7 +2874,7 @@
           <a:p>
             <a:fld id="{5B2CE40B-B7EC-4116-8730-6F8258625510}" type="datetimeFigureOut">
               <a:rPr lang="ru-RU" smtClean="0"/>
-              <a:t>18.09.2025</a:t>
+              <a:t>02.10.2025</a:t>
             </a:fld>
             <a:endParaRPr lang="ru-RU"/>
           </a:p>
@@ -3039,7 +3044,7 @@
           <a:p>
             <a:fld id="{5B2CE40B-B7EC-4116-8730-6F8258625510}" type="datetimeFigureOut">
               <a:rPr lang="ru-RU" smtClean="0"/>
-              <a:t>18.09.2025</a:t>
+              <a:t>02.10.2025</a:t>
             </a:fld>
             <a:endParaRPr lang="ru-RU"/>
           </a:p>
@@ -3219,7 +3224,7 @@
           <a:p>
             <a:fld id="{5B2CE40B-B7EC-4116-8730-6F8258625510}" type="datetimeFigureOut">
               <a:rPr lang="ru-RU" smtClean="0"/>
-              <a:t>18.09.2025</a:t>
+              <a:t>02.10.2025</a:t>
             </a:fld>
             <a:endParaRPr lang="ru-RU"/>
           </a:p>
@@ -3389,7 +3394,7 @@
           <a:p>
             <a:fld id="{5B2CE40B-B7EC-4116-8730-6F8258625510}" type="datetimeFigureOut">
               <a:rPr lang="ru-RU" smtClean="0"/>
-              <a:t>18.09.2025</a:t>
+              <a:t>02.10.2025</a:t>
             </a:fld>
             <a:endParaRPr lang="ru-RU"/>
           </a:p>
@@ -3636,7 +3641,7 @@
           <a:p>
             <a:fld id="{5B2CE40B-B7EC-4116-8730-6F8258625510}" type="datetimeFigureOut">
               <a:rPr lang="ru-RU" smtClean="0"/>
-              <a:t>18.09.2025</a:t>
+              <a:t>02.10.2025</a:t>
             </a:fld>
             <a:endParaRPr lang="ru-RU"/>
           </a:p>
@@ -3928,7 +3933,7 @@
           <a:p>
             <a:fld id="{5B2CE40B-B7EC-4116-8730-6F8258625510}" type="datetimeFigureOut">
               <a:rPr lang="ru-RU" smtClean="0"/>
-              <a:t>18.09.2025</a:t>
+              <a:t>02.10.2025</a:t>
             </a:fld>
             <a:endParaRPr lang="ru-RU"/>
           </a:p>
@@ -4372,7 +4377,7 @@
           <a:p>
             <a:fld id="{5B2CE40B-B7EC-4116-8730-6F8258625510}" type="datetimeFigureOut">
               <a:rPr lang="ru-RU" smtClean="0"/>
-              <a:t>18.09.2025</a:t>
+              <a:t>02.10.2025</a:t>
             </a:fld>
             <a:endParaRPr lang="ru-RU"/>
           </a:p>
@@ -4490,7 +4495,7 @@
           <a:p>
             <a:fld id="{5B2CE40B-B7EC-4116-8730-6F8258625510}" type="datetimeFigureOut">
               <a:rPr lang="ru-RU" smtClean="0"/>
-              <a:t>18.09.2025</a:t>
+              <a:t>02.10.2025</a:t>
             </a:fld>
             <a:endParaRPr lang="ru-RU"/>
           </a:p>
@@ -4585,7 +4590,7 @@
           <a:p>
             <a:fld id="{5B2CE40B-B7EC-4116-8730-6F8258625510}" type="datetimeFigureOut">
               <a:rPr lang="ru-RU" smtClean="0"/>
-              <a:t>18.09.2025</a:t>
+              <a:t>02.10.2025</a:t>
             </a:fld>
             <a:endParaRPr lang="ru-RU"/>
           </a:p>
@@ -4864,7 +4869,7 @@
           <a:p>
             <a:fld id="{5B2CE40B-B7EC-4116-8730-6F8258625510}" type="datetimeFigureOut">
               <a:rPr lang="ru-RU" smtClean="0"/>
-              <a:t>18.09.2025</a:t>
+              <a:t>02.10.2025</a:t>
             </a:fld>
             <a:endParaRPr lang="ru-RU"/>
           </a:p>
@@ -5139,7 +5144,7 @@
           <a:p>
             <a:fld id="{5B2CE40B-B7EC-4116-8730-6F8258625510}" type="datetimeFigureOut">
               <a:rPr lang="ru-RU" smtClean="0"/>
-              <a:t>18.09.2025</a:t>
+              <a:t>02.10.2025</a:t>
             </a:fld>
             <a:endParaRPr lang="ru-RU"/>
           </a:p>
@@ -5568,7 +5573,7 @@
           <a:p>
             <a:fld id="{5B2CE40B-B7EC-4116-8730-6F8258625510}" type="datetimeFigureOut">
               <a:rPr lang="ru-RU" smtClean="0"/>
-              <a:t>18.09.2025</a:t>
+              <a:t>02.10.2025</a:t>
             </a:fld>
             <a:endParaRPr lang="ru-RU"/>
           </a:p>
@@ -6196,7 +6201,7 @@
         </p:nvSpPr>
         <p:spPr>
           <a:xfrm>
-            <a:off x="4660392" y="6447695"/>
+            <a:off x="4550664" y="6447695"/>
             <a:ext cx="3404616" cy="410305"/>
           </a:xfrm>
           <a:prstGeom prst="rect">
